--- a/Presentation AnwSys HA01.pptx
+++ b/Presentation AnwSys HA01.pptx
@@ -3121,6 +3121,102 @@
               <a:t>‹Nr.›</a:t>
             </a:fld>
             <a:endParaRPr lang="de-DE"/>
+          </a:p>
+        </p:txBody>
+      </p:sp>
+      <p:sp>
+        <p:nvSpPr>
+          <p:cNvPr id="7" name="Rechteck 6"/>
+          <p:cNvSpPr/>
+          <p:nvPr userDrawn="1"/>
+        </p:nvSpPr>
+        <p:spPr>
+          <a:xfrm>
+            <a:off x="0" y="6645553"/>
+            <a:ext cx="12192000" cy="212448"/>
+          </a:xfrm>
+          <a:prstGeom prst="rect">
+            <a:avLst/>
+          </a:prstGeom>
+          <a:solidFill>
+            <a:srgbClr val="AD030B"/>
+          </a:solidFill>
+        </p:spPr>
+        <p:style>
+          <a:lnRef idx="2">
+            <a:schemeClr val="accent1">
+              <a:shade val="50000"/>
+            </a:schemeClr>
+          </a:lnRef>
+          <a:fillRef idx="1">
+            <a:schemeClr val="accent1"/>
+          </a:fillRef>
+          <a:effectRef idx="0">
+            <a:schemeClr val="accent1"/>
+          </a:effectRef>
+          <a:fontRef idx="minor">
+            <a:schemeClr val="lt1"/>
+          </a:fontRef>
+        </p:style>
+        <p:txBody>
+          <a:bodyPr rtlCol="0" anchor="ctr"/>
+          <a:lstStyle/>
+          <a:p>
+            <a:pPr algn="ctr"/>
+            <a:endParaRPr lang="de-DE">
+              <a:ln>
+                <a:noFill/>
+              </a:ln>
+              <a:noFill/>
+            </a:endParaRPr>
+          </a:p>
+        </p:txBody>
+      </p:sp>
+      <p:sp>
+        <p:nvSpPr>
+          <p:cNvPr id="8" name="Rechteck 7"/>
+          <p:cNvSpPr/>
+          <p:nvPr userDrawn="1"/>
+        </p:nvSpPr>
+        <p:spPr>
+          <a:xfrm>
+            <a:off x="0" y="-25400"/>
+            <a:ext cx="12192000" cy="330200"/>
+          </a:xfrm>
+          <a:prstGeom prst="rect">
+            <a:avLst/>
+          </a:prstGeom>
+          <a:solidFill>
+            <a:srgbClr val="AD030B"/>
+          </a:solidFill>
+        </p:spPr>
+        <p:style>
+          <a:lnRef idx="2">
+            <a:schemeClr val="accent1">
+              <a:shade val="50000"/>
+            </a:schemeClr>
+          </a:lnRef>
+          <a:fillRef idx="1">
+            <a:schemeClr val="accent1"/>
+          </a:fillRef>
+          <a:effectRef idx="0">
+            <a:schemeClr val="accent1"/>
+          </a:effectRef>
+          <a:fontRef idx="minor">
+            <a:schemeClr val="lt1"/>
+          </a:fontRef>
+        </p:style>
+        <p:txBody>
+          <a:bodyPr rtlCol="0" anchor="ctr"/>
+          <a:lstStyle/>
+          <a:p>
+            <a:pPr algn="ctr"/>
+            <a:endParaRPr lang="de-DE">
+              <a:ln>
+                <a:noFill/>
+              </a:ln>
+              <a:noFill/>
+            </a:endParaRPr>
           </a:p>
         </p:txBody>
       </p:sp>
@@ -4249,11 +4345,7 @@
             </a:r>
             <a:r>
               <a:rPr lang="de-DE" sz="2000" dirty="0" smtClean="0"/>
-              <a:t>haben wir die statischen Eigenschaften des Smart Meters unter seinem Bild dargestellt. </a:t>
-            </a:r>
-            <a:r>
-              <a:rPr lang="de-DE" sz="2000" dirty="0" smtClean="0"/>
-              <a:t>Die Gerätekennung, Stromstärke, Stromspannung, Maximale Stromstärke und die beiden Felder für die Nutzerkennung &amp; Verbrauch. Die anliegende Stromspannung und Stromstärke wurde mittels einer Funktion aus JavaScript integriert. Diese benutzt die </a:t>
+              <a:t>haben wir die statischen Eigenschaften des Smart Meters unter seinem Bild dargestellt. Die Gerätekennung, Stromstärke, Stromspannung, Maximale Stromstärke und die beiden Felder für die Nutzerkennung &amp; Verbrauch. Die anliegende Stromspannung und Stromstärke wurde mittels einer Funktion aus JavaScript integriert. Diese benutzt die </a:t>
             </a:r>
             <a:r>
               <a:rPr lang="de-DE" sz="2000" i="1" dirty="0" err="1" smtClean="0"/>
